--- a/宣道詩/(宣道詩120)眾揚聲讚美主.pptx
+++ b/宣道詩/(宣道詩120)眾揚聲讚美主.pptx
@@ -12,7 +12,7 @@
     <p:sldId id="261" r:id="rId6"/>
     <p:sldId id="262" r:id="rId7"/>
   </p:sldIdLst>
-  <p:sldSz cx="9144000" cy="6858000" type="screen4x3"/>
+  <p:sldSz cx="9144000" cy="5143500" type="screen16x9"/>
   <p:notesSz cx="6858000" cy="9144000"/>
   <p:defaultTextStyle>
     <a:defPPr>
@@ -141,8 +141,8 @@
         </p:nvSpPr>
         <p:spPr>
           <a:xfrm>
-            <a:off x="685800" y="2130425"/>
-            <a:ext cx="7772400" cy="1470025"/>
+            <a:off x="685800" y="1597819"/>
+            <a:ext cx="7772400" cy="1102519"/>
           </a:xfrm>
         </p:spPr>
         <p:txBody>
@@ -169,8 +169,8 @@
         </p:nvSpPr>
         <p:spPr>
           <a:xfrm>
-            <a:off x="1371600" y="3886200"/>
-            <a:ext cx="6400800" cy="1752600"/>
+            <a:off x="1371600" y="2914650"/>
+            <a:ext cx="6400800" cy="1314450"/>
           </a:xfrm>
         </p:spPr>
         <p:txBody>
@@ -293,7 +293,8 @@
           <a:p>
             <a:fld id="{FAA4D66F-D7A1-4E5E-8850-156F86A72FD0}" type="datetimeFigureOut">
               <a:rPr lang="zh-TW" altLang="en-US" smtClean="0"/>
-              <a:t>2017/12/10</a:t>
+              <a:pPr/>
+              <a:t>2022/12/1</a:t>
             </a:fld>
             <a:endParaRPr lang="zh-TW" altLang="en-US"/>
           </a:p>
@@ -335,6 +336,7 @@
           <a:p>
             <a:fld id="{C56C60EA-4830-4389-A915-AE4E1467E50E}" type="slidenum">
               <a:rPr lang="zh-TW" altLang="en-US" smtClean="0"/>
+              <a:pPr/>
               <a:t>‹#›</a:t>
             </a:fld>
             <a:endParaRPr lang="zh-TW" altLang="en-US"/>
@@ -458,7 +460,8 @@
           <a:p>
             <a:fld id="{FAA4D66F-D7A1-4E5E-8850-156F86A72FD0}" type="datetimeFigureOut">
               <a:rPr lang="zh-TW" altLang="en-US" smtClean="0"/>
-              <a:t>2017/12/10</a:t>
+              <a:pPr/>
+              <a:t>2022/12/1</a:t>
             </a:fld>
             <a:endParaRPr lang="zh-TW" altLang="en-US"/>
           </a:p>
@@ -500,6 +503,7 @@
           <a:p>
             <a:fld id="{C56C60EA-4830-4389-A915-AE4E1467E50E}" type="slidenum">
               <a:rPr lang="zh-TW" altLang="en-US" smtClean="0"/>
+              <a:pPr/>
               <a:t>‹#›</a:t>
             </a:fld>
             <a:endParaRPr lang="zh-TW" altLang="en-US"/>
@@ -543,8 +547,8 @@
         </p:nvSpPr>
         <p:spPr>
           <a:xfrm>
-            <a:off x="6629400" y="274638"/>
-            <a:ext cx="2057400" cy="5851525"/>
+            <a:off x="6629400" y="205979"/>
+            <a:ext cx="2057400" cy="4388644"/>
           </a:xfrm>
         </p:spPr>
         <p:txBody>
@@ -571,8 +575,8 @@
         </p:nvSpPr>
         <p:spPr>
           <a:xfrm>
-            <a:off x="457200" y="274638"/>
-            <a:ext cx="6019800" cy="5851525"/>
+            <a:off x="457200" y="205979"/>
+            <a:ext cx="6019800" cy="4388644"/>
           </a:xfrm>
         </p:spPr>
         <p:txBody>
@@ -633,7 +637,8 @@
           <a:p>
             <a:fld id="{FAA4D66F-D7A1-4E5E-8850-156F86A72FD0}" type="datetimeFigureOut">
               <a:rPr lang="zh-TW" altLang="en-US" smtClean="0"/>
-              <a:t>2017/12/10</a:t>
+              <a:pPr/>
+              <a:t>2022/12/1</a:t>
             </a:fld>
             <a:endParaRPr lang="zh-TW" altLang="en-US"/>
           </a:p>
@@ -675,6 +680,7 @@
           <a:p>
             <a:fld id="{C56C60EA-4830-4389-A915-AE4E1467E50E}" type="slidenum">
               <a:rPr lang="zh-TW" altLang="en-US" smtClean="0"/>
+              <a:pPr/>
               <a:t>‹#›</a:t>
             </a:fld>
             <a:endParaRPr lang="zh-TW" altLang="en-US"/>
@@ -798,7 +804,8 @@
           <a:p>
             <a:fld id="{FAA4D66F-D7A1-4E5E-8850-156F86A72FD0}" type="datetimeFigureOut">
               <a:rPr lang="zh-TW" altLang="en-US" smtClean="0"/>
-              <a:t>2017/12/10</a:t>
+              <a:pPr/>
+              <a:t>2022/12/1</a:t>
             </a:fld>
             <a:endParaRPr lang="zh-TW" altLang="en-US"/>
           </a:p>
@@ -840,6 +847,7 @@
           <a:p>
             <a:fld id="{C56C60EA-4830-4389-A915-AE4E1467E50E}" type="slidenum">
               <a:rPr lang="zh-TW" altLang="en-US" smtClean="0"/>
+              <a:pPr/>
               <a:t>‹#›</a:t>
             </a:fld>
             <a:endParaRPr lang="zh-TW" altLang="en-US"/>
@@ -883,8 +891,8 @@
         </p:nvSpPr>
         <p:spPr>
           <a:xfrm>
-            <a:off x="722313" y="4406900"/>
-            <a:ext cx="7772400" cy="1362075"/>
+            <a:off x="722313" y="3305176"/>
+            <a:ext cx="7772400" cy="1021556"/>
           </a:xfrm>
         </p:spPr>
         <p:txBody>
@@ -915,8 +923,8 @@
         </p:nvSpPr>
         <p:spPr>
           <a:xfrm>
-            <a:off x="722313" y="2906713"/>
-            <a:ext cx="7772400" cy="1500187"/>
+            <a:off x="722313" y="2180035"/>
+            <a:ext cx="7772400" cy="1125140"/>
           </a:xfrm>
         </p:spPr>
         <p:txBody>
@@ -1039,7 +1047,8 @@
           <a:p>
             <a:fld id="{FAA4D66F-D7A1-4E5E-8850-156F86A72FD0}" type="datetimeFigureOut">
               <a:rPr lang="zh-TW" altLang="en-US" smtClean="0"/>
-              <a:t>2017/12/10</a:t>
+              <a:pPr/>
+              <a:t>2022/12/1</a:t>
             </a:fld>
             <a:endParaRPr lang="zh-TW" altLang="en-US"/>
           </a:p>
@@ -1081,6 +1090,7 @@
           <a:p>
             <a:fld id="{C56C60EA-4830-4389-A915-AE4E1467E50E}" type="slidenum">
               <a:rPr lang="zh-TW" altLang="en-US" smtClean="0"/>
+              <a:pPr/>
               <a:t>‹#›</a:t>
             </a:fld>
             <a:endParaRPr lang="zh-TW" altLang="en-US"/>
@@ -1147,8 +1157,8 @@
         </p:nvSpPr>
         <p:spPr>
           <a:xfrm>
-            <a:off x="457200" y="1600200"/>
-            <a:ext cx="4038600" cy="4525963"/>
+            <a:off x="457200" y="1200151"/>
+            <a:ext cx="4038600" cy="3394472"/>
           </a:xfrm>
         </p:spPr>
         <p:txBody>
@@ -1232,8 +1242,8 @@
         </p:nvSpPr>
         <p:spPr>
           <a:xfrm>
-            <a:off x="4648200" y="1600200"/>
-            <a:ext cx="4038600" cy="4525963"/>
+            <a:off x="4648200" y="1200151"/>
+            <a:ext cx="4038600" cy="3394472"/>
           </a:xfrm>
         </p:spPr>
         <p:txBody>
@@ -1322,7 +1332,8 @@
           <a:p>
             <a:fld id="{FAA4D66F-D7A1-4E5E-8850-156F86A72FD0}" type="datetimeFigureOut">
               <a:rPr lang="zh-TW" altLang="en-US" smtClean="0"/>
-              <a:t>2017/12/10</a:t>
+              <a:pPr/>
+              <a:t>2022/12/1</a:t>
             </a:fld>
             <a:endParaRPr lang="zh-TW" altLang="en-US"/>
           </a:p>
@@ -1364,6 +1375,7 @@
           <a:p>
             <a:fld id="{C56C60EA-4830-4389-A915-AE4E1467E50E}" type="slidenum">
               <a:rPr lang="zh-TW" altLang="en-US" smtClean="0"/>
+              <a:pPr/>
               <a:t>‹#›</a:t>
             </a:fld>
             <a:endParaRPr lang="zh-TW" altLang="en-US"/>
@@ -1434,8 +1446,8 @@
         </p:nvSpPr>
         <p:spPr>
           <a:xfrm>
-            <a:off x="457200" y="1535113"/>
-            <a:ext cx="4040188" cy="639762"/>
+            <a:off x="457200" y="1151335"/>
+            <a:ext cx="4040188" cy="479822"/>
           </a:xfrm>
         </p:spPr>
         <p:txBody>
@@ -1499,8 +1511,8 @@
         </p:nvSpPr>
         <p:spPr>
           <a:xfrm>
-            <a:off x="457200" y="2174875"/>
-            <a:ext cx="4040188" cy="3951288"/>
+            <a:off x="457200" y="1631156"/>
+            <a:ext cx="4040188" cy="2963466"/>
           </a:xfrm>
         </p:spPr>
         <p:txBody>
@@ -1584,8 +1596,8 @@
         </p:nvSpPr>
         <p:spPr>
           <a:xfrm>
-            <a:off x="4645025" y="1535113"/>
-            <a:ext cx="4041775" cy="639762"/>
+            <a:off x="4645026" y="1151335"/>
+            <a:ext cx="4041775" cy="479822"/>
           </a:xfrm>
         </p:spPr>
         <p:txBody>
@@ -1649,8 +1661,8 @@
         </p:nvSpPr>
         <p:spPr>
           <a:xfrm>
-            <a:off x="4645025" y="2174875"/>
-            <a:ext cx="4041775" cy="3951288"/>
+            <a:off x="4645026" y="1631156"/>
+            <a:ext cx="4041775" cy="2963466"/>
           </a:xfrm>
         </p:spPr>
         <p:txBody>
@@ -1739,7 +1751,8 @@
           <a:p>
             <a:fld id="{FAA4D66F-D7A1-4E5E-8850-156F86A72FD0}" type="datetimeFigureOut">
               <a:rPr lang="zh-TW" altLang="en-US" smtClean="0"/>
-              <a:t>2017/12/10</a:t>
+              <a:pPr/>
+              <a:t>2022/12/1</a:t>
             </a:fld>
             <a:endParaRPr lang="zh-TW" altLang="en-US"/>
           </a:p>
@@ -1781,6 +1794,7 @@
           <a:p>
             <a:fld id="{C56C60EA-4830-4389-A915-AE4E1467E50E}" type="slidenum">
               <a:rPr lang="zh-TW" altLang="en-US" smtClean="0"/>
+              <a:pPr/>
               <a:t>‹#›</a:t>
             </a:fld>
             <a:endParaRPr lang="zh-TW" altLang="en-US"/>
@@ -1852,7 +1866,8 @@
           <a:p>
             <a:fld id="{FAA4D66F-D7A1-4E5E-8850-156F86A72FD0}" type="datetimeFigureOut">
               <a:rPr lang="zh-TW" altLang="en-US" smtClean="0"/>
-              <a:t>2017/12/10</a:t>
+              <a:pPr/>
+              <a:t>2022/12/1</a:t>
             </a:fld>
             <a:endParaRPr lang="zh-TW" altLang="en-US"/>
           </a:p>
@@ -1894,6 +1909,7 @@
           <a:p>
             <a:fld id="{C56C60EA-4830-4389-A915-AE4E1467E50E}" type="slidenum">
               <a:rPr lang="zh-TW" altLang="en-US" smtClean="0"/>
+              <a:pPr/>
               <a:t>‹#›</a:t>
             </a:fld>
             <a:endParaRPr lang="zh-TW" altLang="en-US"/>
@@ -1942,7 +1958,8 @@
           <a:p>
             <a:fld id="{FAA4D66F-D7A1-4E5E-8850-156F86A72FD0}" type="datetimeFigureOut">
               <a:rPr lang="zh-TW" altLang="en-US" smtClean="0"/>
-              <a:t>2017/12/10</a:t>
+              <a:pPr/>
+              <a:t>2022/12/1</a:t>
             </a:fld>
             <a:endParaRPr lang="zh-TW" altLang="en-US"/>
           </a:p>
@@ -1984,6 +2001,7 @@
           <a:p>
             <a:fld id="{C56C60EA-4830-4389-A915-AE4E1467E50E}" type="slidenum">
               <a:rPr lang="zh-TW" altLang="en-US" smtClean="0"/>
+              <a:pPr/>
               <a:t>‹#›</a:t>
             </a:fld>
             <a:endParaRPr lang="zh-TW" altLang="en-US"/>
@@ -2027,8 +2045,8 @@
         </p:nvSpPr>
         <p:spPr>
           <a:xfrm>
-            <a:off x="457200" y="273050"/>
-            <a:ext cx="3008313" cy="1162050"/>
+            <a:off x="457201" y="204787"/>
+            <a:ext cx="3008313" cy="871538"/>
           </a:xfrm>
         </p:spPr>
         <p:txBody>
@@ -2059,8 +2077,8 @@
         </p:nvSpPr>
         <p:spPr>
           <a:xfrm>
-            <a:off x="3575050" y="273050"/>
-            <a:ext cx="5111750" cy="5853113"/>
+            <a:off x="3575050" y="204788"/>
+            <a:ext cx="5111750" cy="4389835"/>
           </a:xfrm>
         </p:spPr>
         <p:txBody>
@@ -2144,8 +2162,8 @@
         </p:nvSpPr>
         <p:spPr>
           <a:xfrm>
-            <a:off x="457200" y="1435100"/>
-            <a:ext cx="3008313" cy="4691063"/>
+            <a:off x="457201" y="1076326"/>
+            <a:ext cx="3008313" cy="3518297"/>
           </a:xfrm>
         </p:spPr>
         <p:txBody>
@@ -2214,7 +2232,8 @@
           <a:p>
             <a:fld id="{FAA4D66F-D7A1-4E5E-8850-156F86A72FD0}" type="datetimeFigureOut">
               <a:rPr lang="zh-TW" altLang="en-US" smtClean="0"/>
-              <a:t>2017/12/10</a:t>
+              <a:pPr/>
+              <a:t>2022/12/1</a:t>
             </a:fld>
             <a:endParaRPr lang="zh-TW" altLang="en-US"/>
           </a:p>
@@ -2256,6 +2275,7 @@
           <a:p>
             <a:fld id="{C56C60EA-4830-4389-A915-AE4E1467E50E}" type="slidenum">
               <a:rPr lang="zh-TW" altLang="en-US" smtClean="0"/>
+              <a:pPr/>
               <a:t>‹#›</a:t>
             </a:fld>
             <a:endParaRPr lang="zh-TW" altLang="en-US"/>
@@ -2299,8 +2319,8 @@
         </p:nvSpPr>
         <p:spPr>
           <a:xfrm>
-            <a:off x="1792288" y="4800600"/>
-            <a:ext cx="5486400" cy="566738"/>
+            <a:off x="1792288" y="3600450"/>
+            <a:ext cx="5486400" cy="425054"/>
           </a:xfrm>
         </p:spPr>
         <p:txBody>
@@ -2331,8 +2351,8 @@
         </p:nvSpPr>
         <p:spPr>
           <a:xfrm>
-            <a:off x="1792288" y="612775"/>
-            <a:ext cx="5486400" cy="4114800"/>
+            <a:off x="1792288" y="459581"/>
+            <a:ext cx="5486400" cy="3086100"/>
           </a:xfrm>
         </p:spPr>
         <p:txBody>
@@ -2396,8 +2416,8 @@
         </p:nvSpPr>
         <p:spPr>
           <a:xfrm>
-            <a:off x="1792288" y="5367338"/>
-            <a:ext cx="5486400" cy="804862"/>
+            <a:off x="1792288" y="4025503"/>
+            <a:ext cx="5486400" cy="603647"/>
           </a:xfrm>
         </p:spPr>
         <p:txBody>
@@ -2466,7 +2486,8 @@
           <a:p>
             <a:fld id="{FAA4D66F-D7A1-4E5E-8850-156F86A72FD0}" type="datetimeFigureOut">
               <a:rPr lang="zh-TW" altLang="en-US" smtClean="0"/>
-              <a:t>2017/12/10</a:t>
+              <a:pPr/>
+              <a:t>2022/12/1</a:t>
             </a:fld>
             <a:endParaRPr lang="zh-TW" altLang="en-US"/>
           </a:p>
@@ -2508,6 +2529,7 @@
           <a:p>
             <a:fld id="{C56C60EA-4830-4389-A915-AE4E1467E50E}" type="slidenum">
               <a:rPr lang="zh-TW" altLang="en-US" smtClean="0"/>
+              <a:pPr/>
               <a:t>‹#›</a:t>
             </a:fld>
             <a:endParaRPr lang="zh-TW" altLang="en-US"/>
@@ -2561,8 +2583,8 @@
         </p:nvSpPr>
         <p:spPr>
           <a:xfrm>
-            <a:off x="457200" y="274638"/>
-            <a:ext cx="8229600" cy="1143000"/>
+            <a:off x="457200" y="205978"/>
+            <a:ext cx="8229600" cy="857250"/>
           </a:xfrm>
           <a:prstGeom prst="rect">
             <a:avLst/>
@@ -2594,8 +2616,8 @@
         </p:nvSpPr>
         <p:spPr>
           <a:xfrm>
-            <a:off x="457200" y="1600200"/>
-            <a:ext cx="8229600" cy="4525963"/>
+            <a:off x="457200" y="1200151"/>
+            <a:ext cx="8229600" cy="3394472"/>
           </a:xfrm>
           <a:prstGeom prst="rect">
             <a:avLst/>
@@ -2656,8 +2678,8 @@
         </p:nvSpPr>
         <p:spPr>
           <a:xfrm>
-            <a:off x="457200" y="6356350"/>
-            <a:ext cx="2133600" cy="365125"/>
+            <a:off x="457200" y="4767263"/>
+            <a:ext cx="2133600" cy="273844"/>
           </a:xfrm>
           <a:prstGeom prst="rect">
             <a:avLst/>
@@ -2679,7 +2701,8 @@
           <a:p>
             <a:fld id="{FAA4D66F-D7A1-4E5E-8850-156F86A72FD0}" type="datetimeFigureOut">
               <a:rPr lang="zh-TW" altLang="en-US" smtClean="0"/>
-              <a:t>2017/12/10</a:t>
+              <a:pPr/>
+              <a:t>2022/12/1</a:t>
             </a:fld>
             <a:endParaRPr lang="zh-TW" altLang="en-US"/>
           </a:p>
@@ -2697,8 +2720,8 @@
         </p:nvSpPr>
         <p:spPr>
           <a:xfrm>
-            <a:off x="3124200" y="6356350"/>
-            <a:ext cx="2895600" cy="365125"/>
+            <a:off x="3124200" y="4767263"/>
+            <a:ext cx="2895600" cy="273844"/>
           </a:xfrm>
           <a:prstGeom prst="rect">
             <a:avLst/>
@@ -2734,8 +2757,8 @@
         </p:nvSpPr>
         <p:spPr>
           <a:xfrm>
-            <a:off x="6553200" y="6356350"/>
-            <a:ext cx="2133600" cy="365125"/>
+            <a:off x="6553200" y="4767263"/>
+            <a:ext cx="2133600" cy="273844"/>
           </a:xfrm>
           <a:prstGeom prst="rect">
             <a:avLst/>
@@ -2757,6 +2780,7 @@
           <a:p>
             <a:fld id="{C56C60EA-4830-4389-A915-AE4E1467E50E}" type="slidenum">
               <a:rPr lang="zh-TW" altLang="en-US" smtClean="0"/>
+              <a:pPr/>
               <a:t>‹#›</a:t>
             </a:fld>
             <a:endParaRPr lang="zh-TW" altLang="en-US"/>
@@ -3061,8 +3085,8 @@
         </p:nvSpPr>
         <p:spPr>
           <a:xfrm>
-            <a:off x="457200" y="-24"/>
-            <a:ext cx="8229600" cy="1143000"/>
+            <a:off x="457200" y="-18"/>
+            <a:ext cx="8229600" cy="857250"/>
           </a:xfrm>
         </p:spPr>
         <p:txBody>
@@ -3094,13 +3118,13 @@
         </p:nvSpPr>
         <p:spPr>
           <a:xfrm>
-            <a:off x="457200" y="1000108"/>
-            <a:ext cx="8229600" cy="5857892"/>
+            <a:off x="457200" y="750081"/>
+            <a:ext cx="8229600" cy="4393419"/>
           </a:xfrm>
         </p:spPr>
         <p:txBody>
           <a:bodyPr>
-            <a:normAutofit/>
+            <a:normAutofit fontScale="85000" lnSpcReduction="20000"/>
           </a:bodyPr>
           <a:lstStyle/>
           <a:p>
@@ -3313,17 +3337,7 @@
                 <a:latin typeface="微軟正黑體" pitchFamily="34" charset="-120"/>
                 <a:ea typeface="微軟正黑體" pitchFamily="34" charset="-120"/>
               </a:rPr>
-              <a:t>聽彼眾在天堂歌聲</a:t>
-            </a:r>
-            <a:r>
-              <a:rPr lang="zh-TW" altLang="en-US" sz="5400" b="1" dirty="0" smtClean="0">
-                <a:solidFill>
-                  <a:srgbClr val="660033"/>
-                </a:solidFill>
-                <a:latin typeface="微軟正黑體" pitchFamily="34" charset="-120"/>
-                <a:ea typeface="微軟正黑體" pitchFamily="34" charset="-120"/>
-              </a:rPr>
-              <a:t>琴韻</a:t>
+              <a:t>聽彼眾在天堂歌聲琴韻</a:t>
             </a:r>
             <a:endParaRPr lang="en-US" altLang="zh-TW" sz="5400" b="1" dirty="0" smtClean="0">
               <a:solidFill>
@@ -3345,17 +3359,7 @@
                 <a:latin typeface="微軟正黑體" pitchFamily="34" charset="-120"/>
                 <a:ea typeface="微軟正黑體" pitchFamily="34" charset="-120"/>
               </a:rPr>
-              <a:t>此</a:t>
-            </a:r>
-            <a:r>
-              <a:rPr lang="zh-TW" altLang="en-US" sz="5400" b="1" dirty="0" smtClean="0">
-                <a:solidFill>
-                  <a:srgbClr val="660033"/>
-                </a:solidFill>
-                <a:latin typeface="微軟正黑體" pitchFamily="34" charset="-120"/>
-                <a:ea typeface="微軟正黑體" pitchFamily="34" charset="-120"/>
-              </a:rPr>
-              <a:t>嘉音傳於眾犯罪之人</a:t>
+              <a:t>此嘉音傳於眾犯罪之人</a:t>
             </a:r>
             <a:endParaRPr lang="zh-TW" altLang="en-US" sz="5400" b="1" dirty="0">
               <a:solidFill>
@@ -3404,8 +3408,8 @@
         </p:nvSpPr>
         <p:spPr>
           <a:xfrm>
-            <a:off x="457200" y="-24"/>
-            <a:ext cx="8229600" cy="1143000"/>
+            <a:off x="457200" y="-18"/>
+            <a:ext cx="8229600" cy="857250"/>
           </a:xfrm>
         </p:spPr>
         <p:txBody>
@@ -3437,13 +3441,13 @@
         </p:nvSpPr>
         <p:spPr>
           <a:xfrm>
-            <a:off x="457200" y="1785926"/>
-            <a:ext cx="8229600" cy="4214842"/>
+            <a:off x="457200" y="1339444"/>
+            <a:ext cx="8229600" cy="3161132"/>
           </a:xfrm>
         </p:spPr>
         <p:txBody>
           <a:bodyPr>
-            <a:normAutofit/>
+            <a:normAutofit fontScale="92500" lnSpcReduction="20000"/>
           </a:bodyPr>
           <a:lstStyle/>
           <a:p>
@@ -3458,37 +3462,7 @@
                 <a:latin typeface="微軟正黑體" pitchFamily="34" charset="-120"/>
                 <a:ea typeface="微軟正黑體" pitchFamily="34" charset="-120"/>
               </a:rPr>
-              <a:t>當</a:t>
-            </a:r>
-            <a:r>
-              <a:rPr lang="zh-TW" altLang="en-US" sz="5400" b="1" dirty="0" smtClean="0">
-                <a:solidFill>
-                  <a:srgbClr val="660033"/>
-                </a:solidFill>
-                <a:latin typeface="微軟正黑體" pitchFamily="34" charset="-120"/>
-                <a:ea typeface="微軟正黑體" pitchFamily="34" charset="-120"/>
-              </a:rPr>
-              <a:t>揚聲  共</a:t>
-            </a:r>
-            <a:r>
-              <a:rPr lang="zh-TW" altLang="en-US" sz="5400" b="1" dirty="0" smtClean="0">
-                <a:solidFill>
-                  <a:srgbClr val="660033"/>
-                </a:solidFill>
-                <a:latin typeface="微軟正黑體" pitchFamily="34" charset="-120"/>
-                <a:ea typeface="微軟正黑體" pitchFamily="34" charset="-120"/>
-              </a:rPr>
-              <a:t>歸</a:t>
-            </a:r>
-            <a:r>
-              <a:rPr lang="zh-TW" altLang="en-US" sz="5400" b="1" dirty="0" smtClean="0">
-                <a:solidFill>
-                  <a:srgbClr val="660033"/>
-                </a:solidFill>
-                <a:latin typeface="微軟正黑體" pitchFamily="34" charset="-120"/>
-                <a:ea typeface="微軟正黑體" pitchFamily="34" charset="-120"/>
-              </a:rPr>
-              <a:t>榮</a:t>
+              <a:t>當揚聲  共歸榮</a:t>
             </a:r>
             <a:endParaRPr lang="en-US" altLang="zh-TW" sz="5400" b="1" dirty="0" smtClean="0">
               <a:solidFill>
@@ -3510,8 +3484,13 @@
                 <a:latin typeface="微軟正黑體" pitchFamily="34" charset="-120"/>
                 <a:ea typeface="微軟正黑體" pitchFamily="34" charset="-120"/>
               </a:rPr>
-              <a:t>因</a:t>
-            </a:r>
+              <a:t>因救主降臨  哈利路亞</a:t>
+            </a:r>
+          </a:p>
+          <a:p>
+            <a:pPr algn="ctr">
+              <a:buNone/>
+            </a:pPr>
             <a:r>
               <a:rPr lang="zh-TW" altLang="en-US" sz="5400" b="1" dirty="0" smtClean="0">
                 <a:solidFill>
@@ -3520,89 +3499,7 @@
                 <a:latin typeface="微軟正黑體" pitchFamily="34" charset="-120"/>
                 <a:ea typeface="微軟正黑體" pitchFamily="34" charset="-120"/>
               </a:rPr>
-              <a:t>救主</a:t>
-            </a:r>
-            <a:r>
-              <a:rPr lang="zh-TW" altLang="en-US" sz="5400" b="1" dirty="0" smtClean="0">
-                <a:solidFill>
-                  <a:srgbClr val="660033"/>
-                </a:solidFill>
-                <a:latin typeface="微軟正黑體" pitchFamily="34" charset="-120"/>
-                <a:ea typeface="微軟正黑體" pitchFamily="34" charset="-120"/>
-              </a:rPr>
-              <a:t>降臨  哈</a:t>
-            </a:r>
-            <a:r>
-              <a:rPr lang="zh-TW" altLang="en-US" sz="5400" b="1" dirty="0" smtClean="0">
-                <a:solidFill>
-                  <a:srgbClr val="660033"/>
-                </a:solidFill>
-                <a:latin typeface="微軟正黑體" pitchFamily="34" charset="-120"/>
-                <a:ea typeface="微軟正黑體" pitchFamily="34" charset="-120"/>
-              </a:rPr>
-              <a:t>利路</a:t>
-            </a:r>
-            <a:r>
-              <a:rPr lang="zh-TW" altLang="en-US" sz="5400" b="1" dirty="0" smtClean="0">
-                <a:solidFill>
-                  <a:srgbClr val="660033"/>
-                </a:solidFill>
-                <a:latin typeface="微軟正黑體" pitchFamily="34" charset="-120"/>
-                <a:ea typeface="微軟正黑體" pitchFamily="34" charset="-120"/>
-              </a:rPr>
-              <a:t>亞</a:t>
-            </a:r>
-            <a:endParaRPr lang="zh-TW" altLang="en-US" sz="5400" b="1" dirty="0" smtClean="0">
-              <a:solidFill>
-                <a:srgbClr val="660033"/>
-              </a:solidFill>
-              <a:latin typeface="微軟正黑體" pitchFamily="34" charset="-120"/>
-              <a:ea typeface="微軟正黑體" pitchFamily="34" charset="-120"/>
-            </a:endParaRPr>
-          </a:p>
-          <a:p>
-            <a:pPr algn="ctr">
-              <a:buNone/>
-            </a:pPr>
-            <a:r>
-              <a:rPr lang="zh-TW" altLang="en-US" sz="5400" b="1" dirty="0" smtClean="0">
-                <a:solidFill>
-                  <a:srgbClr val="660033"/>
-                </a:solidFill>
-                <a:latin typeface="微軟正黑體" pitchFamily="34" charset="-120"/>
-                <a:ea typeface="微軟正黑體" pitchFamily="34" charset="-120"/>
-              </a:rPr>
-              <a:t>當</a:t>
-            </a:r>
-            <a:r>
-              <a:rPr lang="zh-TW" altLang="en-US" sz="5400" b="1" dirty="0" smtClean="0">
-                <a:solidFill>
-                  <a:srgbClr val="660033"/>
-                </a:solidFill>
-                <a:latin typeface="微軟正黑體" pitchFamily="34" charset="-120"/>
-                <a:ea typeface="微軟正黑體" pitchFamily="34" charset="-120"/>
-              </a:rPr>
-              <a:t>揚聲  共</a:t>
-            </a:r>
-            <a:r>
-              <a:rPr lang="zh-TW" altLang="en-US" sz="5400" b="1" dirty="0" smtClean="0">
-                <a:solidFill>
-                  <a:srgbClr val="660033"/>
-                </a:solidFill>
-                <a:latin typeface="微軟正黑體" pitchFamily="34" charset="-120"/>
-                <a:ea typeface="微軟正黑體" pitchFamily="34" charset="-120"/>
-              </a:rPr>
-              <a:t>歸</a:t>
-            </a:r>
-            <a:r>
-              <a:rPr lang="zh-TW" altLang="en-US" sz="5400" b="1" dirty="0" smtClean="0">
-                <a:solidFill>
-                  <a:srgbClr val="660033"/>
-                </a:solidFill>
-                <a:latin typeface="微軟正黑體" pitchFamily="34" charset="-120"/>
-                <a:ea typeface="微軟正黑體" pitchFamily="34" charset="-120"/>
-              </a:rPr>
-              <a:t>榮</a:t>
+              <a:t>當揚聲  共歸榮</a:t>
             </a:r>
             <a:endParaRPr lang="en-US" altLang="zh-TW" sz="5400" b="1" dirty="0" smtClean="0">
               <a:solidFill>
@@ -3624,17 +3521,7 @@
                 <a:latin typeface="微軟正黑體" pitchFamily="34" charset="-120"/>
                 <a:ea typeface="微軟正黑體" pitchFamily="34" charset="-120"/>
               </a:rPr>
-              <a:t>因</a:t>
-            </a:r>
-            <a:r>
-              <a:rPr lang="zh-TW" altLang="en-US" sz="5400" b="1" dirty="0" smtClean="0">
-                <a:solidFill>
-                  <a:srgbClr val="660033"/>
-                </a:solidFill>
-                <a:latin typeface="微軟正黑體" pitchFamily="34" charset="-120"/>
-                <a:ea typeface="微軟正黑體" pitchFamily="34" charset="-120"/>
-              </a:rPr>
-              <a:t>救主降臨為王</a:t>
+              <a:t>因救主降臨為王</a:t>
             </a:r>
             <a:endParaRPr lang="zh-TW" altLang="en-US" sz="5400" b="1" dirty="0">
               <a:solidFill>
@@ -3683,8 +3570,8 @@
         </p:nvSpPr>
         <p:spPr>
           <a:xfrm>
-            <a:off x="457200" y="-24"/>
-            <a:ext cx="8229600" cy="1143000"/>
+            <a:off x="457200" y="-18"/>
+            <a:ext cx="8229600" cy="857250"/>
           </a:xfrm>
         </p:spPr>
         <p:txBody>
@@ -3716,13 +3603,13 @@
         </p:nvSpPr>
         <p:spPr>
           <a:xfrm>
-            <a:off x="457200" y="1000108"/>
-            <a:ext cx="8229600" cy="5857892"/>
+            <a:off x="457200" y="750081"/>
+            <a:ext cx="8229600" cy="4393419"/>
           </a:xfrm>
         </p:spPr>
         <p:txBody>
           <a:bodyPr>
-            <a:normAutofit/>
+            <a:normAutofit fontScale="85000" lnSpcReduction="20000"/>
           </a:bodyPr>
           <a:lstStyle/>
           <a:p>
@@ -3889,8 +3776,8 @@
         </p:nvSpPr>
         <p:spPr>
           <a:xfrm>
-            <a:off x="457200" y="-24"/>
-            <a:ext cx="8229600" cy="1143000"/>
+            <a:off x="457200" y="-18"/>
+            <a:ext cx="8229600" cy="857250"/>
           </a:xfrm>
         </p:spPr>
         <p:txBody>
@@ -3922,13 +3809,13 @@
         </p:nvSpPr>
         <p:spPr>
           <a:xfrm>
-            <a:off x="457200" y="1785926"/>
-            <a:ext cx="8229600" cy="4214842"/>
+            <a:off x="457200" y="1339444"/>
+            <a:ext cx="8229600" cy="3161132"/>
           </a:xfrm>
         </p:spPr>
         <p:txBody>
           <a:bodyPr>
-            <a:normAutofit/>
+            <a:normAutofit fontScale="92500" lnSpcReduction="20000"/>
           </a:bodyPr>
           <a:lstStyle/>
           <a:p>
@@ -3943,37 +3830,7 @@
                 <a:latin typeface="微軟正黑體" pitchFamily="34" charset="-120"/>
                 <a:ea typeface="微軟正黑體" pitchFamily="34" charset="-120"/>
               </a:rPr>
-              <a:t>當</a:t>
-            </a:r>
-            <a:r>
-              <a:rPr lang="zh-TW" altLang="en-US" sz="5400" b="1" dirty="0" smtClean="0">
-                <a:solidFill>
-                  <a:srgbClr val="660033"/>
-                </a:solidFill>
-                <a:latin typeface="微軟正黑體" pitchFamily="34" charset="-120"/>
-                <a:ea typeface="微軟正黑體" pitchFamily="34" charset="-120"/>
-              </a:rPr>
-              <a:t>揚聲  共</a:t>
-            </a:r>
-            <a:r>
-              <a:rPr lang="zh-TW" altLang="en-US" sz="5400" b="1" dirty="0" smtClean="0">
-                <a:solidFill>
-                  <a:srgbClr val="660033"/>
-                </a:solidFill>
-                <a:latin typeface="微軟正黑體" pitchFamily="34" charset="-120"/>
-                <a:ea typeface="微軟正黑體" pitchFamily="34" charset="-120"/>
-              </a:rPr>
-              <a:t>歸</a:t>
-            </a:r>
-            <a:r>
-              <a:rPr lang="zh-TW" altLang="en-US" sz="5400" b="1" dirty="0" smtClean="0">
-                <a:solidFill>
-                  <a:srgbClr val="660033"/>
-                </a:solidFill>
-                <a:latin typeface="微軟正黑體" pitchFamily="34" charset="-120"/>
-                <a:ea typeface="微軟正黑體" pitchFamily="34" charset="-120"/>
-              </a:rPr>
-              <a:t>榮</a:t>
+              <a:t>當揚聲  共歸榮</a:t>
             </a:r>
             <a:endParaRPr lang="en-US" altLang="zh-TW" sz="5400" b="1" dirty="0" smtClean="0">
               <a:solidFill>
@@ -3995,8 +3852,13 @@
                 <a:latin typeface="微軟正黑體" pitchFamily="34" charset="-120"/>
                 <a:ea typeface="微軟正黑體" pitchFamily="34" charset="-120"/>
               </a:rPr>
-              <a:t>因</a:t>
-            </a:r>
+              <a:t>因救主降臨  哈利路亞</a:t>
+            </a:r>
+          </a:p>
+          <a:p>
+            <a:pPr algn="ctr">
+              <a:buNone/>
+            </a:pPr>
             <a:r>
               <a:rPr lang="zh-TW" altLang="en-US" sz="5400" b="1" dirty="0" smtClean="0">
                 <a:solidFill>
@@ -4005,89 +3867,7 @@
                 <a:latin typeface="微軟正黑體" pitchFamily="34" charset="-120"/>
                 <a:ea typeface="微軟正黑體" pitchFamily="34" charset="-120"/>
               </a:rPr>
-              <a:t>救主</a:t>
-            </a:r>
-            <a:r>
-              <a:rPr lang="zh-TW" altLang="en-US" sz="5400" b="1" dirty="0" smtClean="0">
-                <a:solidFill>
-                  <a:srgbClr val="660033"/>
-                </a:solidFill>
-                <a:latin typeface="微軟正黑體" pitchFamily="34" charset="-120"/>
-                <a:ea typeface="微軟正黑體" pitchFamily="34" charset="-120"/>
-              </a:rPr>
-              <a:t>降臨  哈</a:t>
-            </a:r>
-            <a:r>
-              <a:rPr lang="zh-TW" altLang="en-US" sz="5400" b="1" dirty="0" smtClean="0">
-                <a:solidFill>
-                  <a:srgbClr val="660033"/>
-                </a:solidFill>
-                <a:latin typeface="微軟正黑體" pitchFamily="34" charset="-120"/>
-                <a:ea typeface="微軟正黑體" pitchFamily="34" charset="-120"/>
-              </a:rPr>
-              <a:t>利路</a:t>
-            </a:r>
-            <a:r>
-              <a:rPr lang="zh-TW" altLang="en-US" sz="5400" b="1" dirty="0" smtClean="0">
-                <a:solidFill>
-                  <a:srgbClr val="660033"/>
-                </a:solidFill>
-                <a:latin typeface="微軟正黑體" pitchFamily="34" charset="-120"/>
-                <a:ea typeface="微軟正黑體" pitchFamily="34" charset="-120"/>
-              </a:rPr>
-              <a:t>亞</a:t>
-            </a:r>
-            <a:endParaRPr lang="zh-TW" altLang="en-US" sz="5400" b="1" dirty="0" smtClean="0">
-              <a:solidFill>
-                <a:srgbClr val="660033"/>
-              </a:solidFill>
-              <a:latin typeface="微軟正黑體" pitchFamily="34" charset="-120"/>
-              <a:ea typeface="微軟正黑體" pitchFamily="34" charset="-120"/>
-            </a:endParaRPr>
-          </a:p>
-          <a:p>
-            <a:pPr algn="ctr">
-              <a:buNone/>
-            </a:pPr>
-            <a:r>
-              <a:rPr lang="zh-TW" altLang="en-US" sz="5400" b="1" dirty="0" smtClean="0">
-                <a:solidFill>
-                  <a:srgbClr val="660033"/>
-                </a:solidFill>
-                <a:latin typeface="微軟正黑體" pitchFamily="34" charset="-120"/>
-                <a:ea typeface="微軟正黑體" pitchFamily="34" charset="-120"/>
-              </a:rPr>
-              <a:t>當</a:t>
-            </a:r>
-            <a:r>
-              <a:rPr lang="zh-TW" altLang="en-US" sz="5400" b="1" dirty="0" smtClean="0">
-                <a:solidFill>
-                  <a:srgbClr val="660033"/>
-                </a:solidFill>
-                <a:latin typeface="微軟正黑體" pitchFamily="34" charset="-120"/>
-                <a:ea typeface="微軟正黑體" pitchFamily="34" charset="-120"/>
-              </a:rPr>
-              <a:t>揚聲  共</a:t>
-            </a:r>
-            <a:r>
-              <a:rPr lang="zh-TW" altLang="en-US" sz="5400" b="1" dirty="0" smtClean="0">
-                <a:solidFill>
-                  <a:srgbClr val="660033"/>
-                </a:solidFill>
-                <a:latin typeface="微軟正黑體" pitchFamily="34" charset="-120"/>
-                <a:ea typeface="微軟正黑體" pitchFamily="34" charset="-120"/>
-              </a:rPr>
-              <a:t>歸</a:t>
-            </a:r>
-            <a:r>
-              <a:rPr lang="zh-TW" altLang="en-US" sz="5400" b="1" dirty="0" smtClean="0">
-                <a:solidFill>
-                  <a:srgbClr val="660033"/>
-                </a:solidFill>
-                <a:latin typeface="微軟正黑體" pitchFamily="34" charset="-120"/>
-                <a:ea typeface="微軟正黑體" pitchFamily="34" charset="-120"/>
-              </a:rPr>
-              <a:t>榮</a:t>
+              <a:t>當揚聲  共歸榮</a:t>
             </a:r>
             <a:endParaRPr lang="en-US" altLang="zh-TW" sz="5400" b="1" dirty="0" smtClean="0">
               <a:solidFill>
@@ -4109,17 +3889,7 @@
                 <a:latin typeface="微軟正黑體" pitchFamily="34" charset="-120"/>
                 <a:ea typeface="微軟正黑體" pitchFamily="34" charset="-120"/>
               </a:rPr>
-              <a:t>因</a:t>
-            </a:r>
-            <a:r>
-              <a:rPr lang="zh-TW" altLang="en-US" sz="5400" b="1" dirty="0" smtClean="0">
-                <a:solidFill>
-                  <a:srgbClr val="660033"/>
-                </a:solidFill>
-                <a:latin typeface="微軟正黑體" pitchFamily="34" charset="-120"/>
-                <a:ea typeface="微軟正黑體" pitchFamily="34" charset="-120"/>
-              </a:rPr>
-              <a:t>救主降臨為王</a:t>
+              <a:t>因救主降臨為王</a:t>
             </a:r>
             <a:endParaRPr lang="zh-TW" altLang="en-US" sz="5400" b="1" dirty="0">
               <a:solidFill>
@@ -4168,8 +3938,8 @@
         </p:nvSpPr>
         <p:spPr>
           <a:xfrm>
-            <a:off x="457200" y="-24"/>
-            <a:ext cx="8229600" cy="1143000"/>
+            <a:off x="457200" y="-18"/>
+            <a:ext cx="8229600" cy="857250"/>
           </a:xfrm>
         </p:spPr>
         <p:txBody>
@@ -4201,13 +3971,13 @@
         </p:nvSpPr>
         <p:spPr>
           <a:xfrm>
-            <a:off x="457200" y="1000108"/>
-            <a:ext cx="8229600" cy="5857892"/>
+            <a:off x="457200" y="750081"/>
+            <a:ext cx="8229600" cy="4393419"/>
           </a:xfrm>
         </p:spPr>
         <p:txBody>
           <a:bodyPr>
-            <a:normAutofit/>
+            <a:normAutofit fontScale="85000" lnSpcReduction="20000"/>
           </a:bodyPr>
           <a:lstStyle/>
           <a:p>
@@ -4353,8 +4123,8 @@
         </p:nvSpPr>
         <p:spPr>
           <a:xfrm>
-            <a:off x="457200" y="-24"/>
-            <a:ext cx="8229600" cy="1143000"/>
+            <a:off x="457200" y="-18"/>
+            <a:ext cx="8229600" cy="857250"/>
           </a:xfrm>
         </p:spPr>
         <p:txBody>
@@ -4386,13 +4156,13 @@
         </p:nvSpPr>
         <p:spPr>
           <a:xfrm>
-            <a:off x="457200" y="1785926"/>
-            <a:ext cx="8229600" cy="4214842"/>
+            <a:off x="457200" y="1339444"/>
+            <a:ext cx="8229600" cy="3161132"/>
           </a:xfrm>
         </p:spPr>
         <p:txBody>
           <a:bodyPr>
-            <a:normAutofit/>
+            <a:normAutofit fontScale="92500" lnSpcReduction="20000"/>
           </a:bodyPr>
           <a:lstStyle/>
           <a:p>
@@ -4407,37 +4177,7 @@
                 <a:latin typeface="微軟正黑體" pitchFamily="34" charset="-120"/>
                 <a:ea typeface="微軟正黑體" pitchFamily="34" charset="-120"/>
               </a:rPr>
-              <a:t>當</a:t>
-            </a:r>
-            <a:r>
-              <a:rPr lang="zh-TW" altLang="en-US" sz="5400" b="1" dirty="0" smtClean="0">
-                <a:solidFill>
-                  <a:srgbClr val="660033"/>
-                </a:solidFill>
-                <a:latin typeface="微軟正黑體" pitchFamily="34" charset="-120"/>
-                <a:ea typeface="微軟正黑體" pitchFamily="34" charset="-120"/>
-              </a:rPr>
-              <a:t>揚聲  共</a:t>
-            </a:r>
-            <a:r>
-              <a:rPr lang="zh-TW" altLang="en-US" sz="5400" b="1" dirty="0" smtClean="0">
-                <a:solidFill>
-                  <a:srgbClr val="660033"/>
-                </a:solidFill>
-                <a:latin typeface="微軟正黑體" pitchFamily="34" charset="-120"/>
-                <a:ea typeface="微軟正黑體" pitchFamily="34" charset="-120"/>
-              </a:rPr>
-              <a:t>歸</a:t>
-            </a:r>
-            <a:r>
-              <a:rPr lang="zh-TW" altLang="en-US" sz="5400" b="1" dirty="0" smtClean="0">
-                <a:solidFill>
-                  <a:srgbClr val="660033"/>
-                </a:solidFill>
-                <a:latin typeface="微軟正黑體" pitchFamily="34" charset="-120"/>
-                <a:ea typeface="微軟正黑體" pitchFamily="34" charset="-120"/>
-              </a:rPr>
-              <a:t>榮</a:t>
+              <a:t>當揚聲  共歸榮</a:t>
             </a:r>
             <a:endParaRPr lang="en-US" altLang="zh-TW" sz="5400" b="1" dirty="0" smtClean="0">
               <a:solidFill>
@@ -4459,8 +4199,13 @@
                 <a:latin typeface="微軟正黑體" pitchFamily="34" charset="-120"/>
                 <a:ea typeface="微軟正黑體" pitchFamily="34" charset="-120"/>
               </a:rPr>
-              <a:t>因</a:t>
-            </a:r>
+              <a:t>因救主降臨  哈利路亞</a:t>
+            </a:r>
+          </a:p>
+          <a:p>
+            <a:pPr algn="ctr">
+              <a:buNone/>
+            </a:pPr>
             <a:r>
               <a:rPr lang="zh-TW" altLang="en-US" sz="5400" b="1" dirty="0" smtClean="0">
                 <a:solidFill>
@@ -4469,89 +4214,7 @@
                 <a:latin typeface="微軟正黑體" pitchFamily="34" charset="-120"/>
                 <a:ea typeface="微軟正黑體" pitchFamily="34" charset="-120"/>
               </a:rPr>
-              <a:t>救主</a:t>
-            </a:r>
-            <a:r>
-              <a:rPr lang="zh-TW" altLang="en-US" sz="5400" b="1" dirty="0" smtClean="0">
-                <a:solidFill>
-                  <a:srgbClr val="660033"/>
-                </a:solidFill>
-                <a:latin typeface="微軟正黑體" pitchFamily="34" charset="-120"/>
-                <a:ea typeface="微軟正黑體" pitchFamily="34" charset="-120"/>
-              </a:rPr>
-              <a:t>降臨  哈</a:t>
-            </a:r>
-            <a:r>
-              <a:rPr lang="zh-TW" altLang="en-US" sz="5400" b="1" dirty="0" smtClean="0">
-                <a:solidFill>
-                  <a:srgbClr val="660033"/>
-                </a:solidFill>
-                <a:latin typeface="微軟正黑體" pitchFamily="34" charset="-120"/>
-                <a:ea typeface="微軟正黑體" pitchFamily="34" charset="-120"/>
-              </a:rPr>
-              <a:t>利路</a:t>
-            </a:r>
-            <a:r>
-              <a:rPr lang="zh-TW" altLang="en-US" sz="5400" b="1" dirty="0" smtClean="0">
-                <a:solidFill>
-                  <a:srgbClr val="660033"/>
-                </a:solidFill>
-                <a:latin typeface="微軟正黑體" pitchFamily="34" charset="-120"/>
-                <a:ea typeface="微軟正黑體" pitchFamily="34" charset="-120"/>
-              </a:rPr>
-              <a:t>亞</a:t>
-            </a:r>
-            <a:endParaRPr lang="zh-TW" altLang="en-US" sz="5400" b="1" dirty="0" smtClean="0">
-              <a:solidFill>
-                <a:srgbClr val="660033"/>
-              </a:solidFill>
-              <a:latin typeface="微軟正黑體" pitchFamily="34" charset="-120"/>
-              <a:ea typeface="微軟正黑體" pitchFamily="34" charset="-120"/>
-            </a:endParaRPr>
-          </a:p>
-          <a:p>
-            <a:pPr algn="ctr">
-              <a:buNone/>
-            </a:pPr>
-            <a:r>
-              <a:rPr lang="zh-TW" altLang="en-US" sz="5400" b="1" dirty="0" smtClean="0">
-                <a:solidFill>
-                  <a:srgbClr val="660033"/>
-                </a:solidFill>
-                <a:latin typeface="微軟正黑體" pitchFamily="34" charset="-120"/>
-                <a:ea typeface="微軟正黑體" pitchFamily="34" charset="-120"/>
-              </a:rPr>
-              <a:t>當</a:t>
-            </a:r>
-            <a:r>
-              <a:rPr lang="zh-TW" altLang="en-US" sz="5400" b="1" dirty="0" smtClean="0">
-                <a:solidFill>
-                  <a:srgbClr val="660033"/>
-                </a:solidFill>
-                <a:latin typeface="微軟正黑體" pitchFamily="34" charset="-120"/>
-                <a:ea typeface="微軟正黑體" pitchFamily="34" charset="-120"/>
-              </a:rPr>
-              <a:t>揚聲  共</a:t>
-            </a:r>
-            <a:r>
-              <a:rPr lang="zh-TW" altLang="en-US" sz="5400" b="1" dirty="0" smtClean="0">
-                <a:solidFill>
-                  <a:srgbClr val="660033"/>
-                </a:solidFill>
-                <a:latin typeface="微軟正黑體" pitchFamily="34" charset="-120"/>
-                <a:ea typeface="微軟正黑體" pitchFamily="34" charset="-120"/>
-              </a:rPr>
-              <a:t>歸</a:t>
-            </a:r>
-            <a:r>
-              <a:rPr lang="zh-TW" altLang="en-US" sz="5400" b="1" dirty="0" smtClean="0">
-                <a:solidFill>
-                  <a:srgbClr val="660033"/>
-                </a:solidFill>
-                <a:latin typeface="微軟正黑體" pitchFamily="34" charset="-120"/>
-                <a:ea typeface="微軟正黑體" pitchFamily="34" charset="-120"/>
-              </a:rPr>
-              <a:t>榮</a:t>
+              <a:t>當揚聲  共歸榮</a:t>
             </a:r>
             <a:endParaRPr lang="en-US" altLang="zh-TW" sz="5400" b="1" dirty="0" smtClean="0">
               <a:solidFill>
@@ -4573,17 +4236,7 @@
                 <a:latin typeface="微軟正黑體" pitchFamily="34" charset="-120"/>
                 <a:ea typeface="微軟正黑體" pitchFamily="34" charset="-120"/>
               </a:rPr>
-              <a:t>因</a:t>
-            </a:r>
-            <a:r>
-              <a:rPr lang="zh-TW" altLang="en-US" sz="5400" b="1" dirty="0" smtClean="0">
-                <a:solidFill>
-                  <a:srgbClr val="660033"/>
-                </a:solidFill>
-                <a:latin typeface="微軟正黑體" pitchFamily="34" charset="-120"/>
-                <a:ea typeface="微軟正黑體" pitchFamily="34" charset="-120"/>
-              </a:rPr>
-              <a:t>救主降臨為王</a:t>
+              <a:t>因救主降臨為王</a:t>
             </a:r>
             <a:endParaRPr lang="zh-TW" altLang="en-US" sz="5400" b="1" dirty="0">
               <a:solidFill>
